--- a/Swing Project PowerPoint/Inventory Shop.pptx
+++ b/Swing Project PowerPoint/Inventory Shop.pptx
@@ -116,6 +116,22 @@
       </a:defRPr>
     </a:lvl9pPr>
   </p:defaultTextStyle>
+  <p:extLst>
+    <p:ext uri="{EFAFB233-063F-42B5-8137-9DF3F51BA10A}">
+      <p15:sldGuideLst xmlns:p15="http://schemas.microsoft.com/office/powerpoint/2012/main">
+        <p15:guide id="1" orient="horz" pos="2160">
+          <p15:clr>
+            <a:srgbClr val="A4A3A4"/>
+          </p15:clr>
+        </p15:guide>
+        <p15:guide id="2" pos="2880">
+          <p15:clr>
+            <a:srgbClr val="A4A3A4"/>
+          </p15:clr>
+        </p15:guide>
+      </p15:sldGuideLst>
+    </p:ext>
+  </p:extLst>
 </p:presentation>
 </file>
 
@@ -201,7 +217,7 @@
           <a:p>
             <a:fld id="{143397E3-21FF-48E3-B4D9-90A691D9611A}" type="datetimeFigureOut">
               <a:rPr lang="en-US" smtClean="0"/>
-              <a:t>05-Dec-18</a:t>
+              <a:t>12/5/2018</a:t>
             </a:fld>
             <a:endParaRPr lang="en-US"/>
           </a:p>
@@ -891,7 +907,7 @@
           <a:p>
             <a:fld id="{9B2902FF-4FC7-4B14-97FC-711D08C9FBAE}" type="datetime1">
               <a:rPr lang="en-US" smtClean="0"/>
-              <a:t>05-Dec-18</a:t>
+              <a:t>12/5/2018</a:t>
             </a:fld>
             <a:endParaRPr lang="en-US"/>
           </a:p>
@@ -983,6 +999,18 @@
   <p:clrMapOvr>
     <a:masterClrMapping/>
   </p:clrMapOvr>
+  <mc:AlternateContent xmlns:mc="http://schemas.openxmlformats.org/markup-compatibility/2006">
+    <mc:Choice xmlns:p14="http://schemas.microsoft.com/office/powerpoint/2010/main" Requires="p14">
+      <p:transition spd="slow" advTm="5000">
+        <p14:vortex dir="r"/>
+      </p:transition>
+    </mc:Choice>
+    <mc:Fallback>
+      <p:transition spd="slow" advTm="5000">
+        <p:fade/>
+      </p:transition>
+    </mc:Fallback>
+  </mc:AlternateContent>
   <p:timing>
     <p:tnLst>
       <p:par>
@@ -1107,7 +1135,7 @@
           <a:p>
             <a:fld id="{6F993397-7A0B-4DA2-A1FE-6AB20469E6EF}" type="datetime1">
               <a:rPr lang="en-US" smtClean="0"/>
-              <a:t>05-Dec-18</a:t>
+              <a:t>12/5/2018</a:t>
             </a:fld>
             <a:endParaRPr lang="en-US"/>
           </a:p>
@@ -1164,6 +1192,18 @@
   <p:clrMapOvr>
     <a:masterClrMapping/>
   </p:clrMapOvr>
+  <mc:AlternateContent xmlns:mc="http://schemas.openxmlformats.org/markup-compatibility/2006">
+    <mc:Choice xmlns:p14="http://schemas.microsoft.com/office/powerpoint/2010/main" Requires="p14">
+      <p:transition spd="slow" advTm="5000">
+        <p14:vortex dir="r"/>
+      </p:transition>
+    </mc:Choice>
+    <mc:Fallback>
+      <p:transition spd="slow" advTm="5000">
+        <p:fade/>
+      </p:transition>
+    </mc:Fallback>
+  </mc:AlternateContent>
   <p:timing>
     <p:tnLst>
       <p:par>
@@ -1298,7 +1338,7 @@
           <a:p>
             <a:fld id="{EA82E622-6C05-4C65-AB55-490EFD36FE4C}" type="datetime1">
               <a:rPr lang="en-US" smtClean="0"/>
-              <a:t>05-Dec-18</a:t>
+              <a:t>12/5/2018</a:t>
             </a:fld>
             <a:endParaRPr lang="en-US"/>
           </a:p>
@@ -1355,6 +1395,18 @@
   <p:clrMapOvr>
     <a:masterClrMapping/>
   </p:clrMapOvr>
+  <mc:AlternateContent xmlns:mc="http://schemas.openxmlformats.org/markup-compatibility/2006">
+    <mc:Choice xmlns:p14="http://schemas.microsoft.com/office/powerpoint/2010/main" Requires="p14">
+      <p:transition spd="slow" advTm="5000">
+        <p14:vortex dir="r"/>
+      </p:transition>
+    </mc:Choice>
+    <mc:Fallback>
+      <p:transition spd="slow" advTm="5000">
+        <p:fade/>
+      </p:transition>
+    </mc:Fallback>
+  </mc:AlternateContent>
   <p:timing>
     <p:tnLst>
       <p:par>
@@ -1399,7 +1451,7 @@
           <a:p>
             <a:fld id="{6ACADF1E-E2B4-4596-90FB-408218F7E027}" type="datetime1">
               <a:rPr lang="en-US" smtClean="0"/>
-              <a:t>05-Dec-18</a:t>
+              <a:t>12/5/2018</a:t>
             </a:fld>
             <a:endParaRPr lang="en-US"/>
           </a:p>
@@ -1536,6 +1588,18 @@
   <p:clrMapOvr>
     <a:masterClrMapping/>
   </p:clrMapOvr>
+  <mc:AlternateContent xmlns:mc="http://schemas.openxmlformats.org/markup-compatibility/2006">
+    <mc:Choice xmlns:p14="http://schemas.microsoft.com/office/powerpoint/2010/main" Requires="p14">
+      <p:transition spd="slow" advTm="5000">
+        <p14:vortex dir="r"/>
+      </p:transition>
+    </mc:Choice>
+    <mc:Fallback>
+      <p:transition spd="slow" advTm="5000">
+        <p:fade/>
+      </p:transition>
+    </mc:Fallback>
+  </mc:AlternateContent>
   <p:timing>
     <p:tnLst>
       <p:par>
@@ -1999,7 +2063,7 @@
           <a:p>
             <a:fld id="{6E112978-A8D4-4426-A4F7-0CEA14564A96}" type="datetime1">
               <a:rPr lang="en-US" smtClean="0"/>
-              <a:t>05-Dec-18</a:t>
+              <a:t>12/5/2018</a:t>
             </a:fld>
             <a:endParaRPr lang="en-US"/>
           </a:p>
@@ -2056,6 +2120,18 @@
   <p:clrMapOvr>
     <a:masterClrMapping/>
   </p:clrMapOvr>
+  <mc:AlternateContent xmlns:mc="http://schemas.openxmlformats.org/markup-compatibility/2006">
+    <mc:Choice xmlns:p14="http://schemas.microsoft.com/office/powerpoint/2010/main" Requires="p14">
+      <p:transition spd="slow" advTm="5000">
+        <p14:vortex dir="r"/>
+      </p:transition>
+    </mc:Choice>
+    <mc:Fallback>
+      <p:transition spd="slow" advTm="5000">
+        <p:fade/>
+      </p:transition>
+    </mc:Fallback>
+  </mc:AlternateContent>
   <p:timing>
     <p:tnLst>
       <p:par>
@@ -2100,7 +2176,7 @@
           <a:p>
             <a:fld id="{571C9307-3ACE-4A28-8841-D047174E3D08}" type="datetime1">
               <a:rPr lang="en-US" smtClean="0"/>
-              <a:t>05-Dec-18</a:t>
+              <a:t>12/5/2018</a:t>
             </a:fld>
             <a:endParaRPr lang="en-US"/>
           </a:p>
@@ -2294,6 +2370,18 @@
   <p:clrMapOvr>
     <a:masterClrMapping/>
   </p:clrMapOvr>
+  <mc:AlternateContent xmlns:mc="http://schemas.openxmlformats.org/markup-compatibility/2006">
+    <mc:Choice xmlns:p14="http://schemas.microsoft.com/office/powerpoint/2010/main" Requires="p14">
+      <p:transition spd="slow" advTm="5000">
+        <p14:vortex dir="r"/>
+      </p:transition>
+    </mc:Choice>
+    <mc:Fallback>
+      <p:transition spd="slow" advTm="5000">
+        <p:fade/>
+      </p:transition>
+    </mc:Fallback>
+  </mc:AlternateContent>
   <p:timing>
     <p:tnLst>
       <p:par>
@@ -2709,7 +2797,7 @@
           <a:p>
             <a:fld id="{A196C154-0AAB-4537-9F6A-06A8B5ED0D93}" type="datetime1">
               <a:rPr lang="en-US" smtClean="0"/>
-              <a:t>05-Dec-18</a:t>
+              <a:t>12/5/2018</a:t>
             </a:fld>
             <a:endParaRPr lang="en-US"/>
           </a:p>
@@ -2789,6 +2877,18 @@
   <p:clrMapOvr>
     <a:masterClrMapping/>
   </p:clrMapOvr>
+  <mc:AlternateContent xmlns:mc="http://schemas.openxmlformats.org/markup-compatibility/2006">
+    <mc:Choice xmlns:p14="http://schemas.microsoft.com/office/powerpoint/2010/main" Requires="p14">
+      <p:transition spd="slow" advTm="5000">
+        <p14:vortex dir="r"/>
+      </p:transition>
+    </mc:Choice>
+    <mc:Fallback>
+      <p:transition spd="slow" advTm="5000">
+        <p:fade/>
+      </p:transition>
+    </mc:Fallback>
+  </mc:AlternateContent>
   <p:timing>
     <p:tnLst>
       <p:par>
@@ -2856,7 +2956,7 @@
           <a:p>
             <a:fld id="{1E2E868E-43C9-4EAE-B90C-0EED6172DEDF}" type="datetime1">
               <a:rPr lang="en-US" smtClean="0"/>
-              <a:t>05-Dec-18</a:t>
+              <a:t>12/5/2018</a:t>
             </a:fld>
             <a:endParaRPr lang="en-US"/>
           </a:p>
@@ -2913,6 +3013,18 @@
   <p:clrMapOvr>
     <a:masterClrMapping/>
   </p:clrMapOvr>
+  <mc:AlternateContent xmlns:mc="http://schemas.openxmlformats.org/markup-compatibility/2006">
+    <mc:Choice xmlns:p14="http://schemas.microsoft.com/office/powerpoint/2010/main" Requires="p14">
+      <p:transition spd="slow" advTm="5000">
+        <p14:vortex dir="r"/>
+      </p:transition>
+    </mc:Choice>
+    <mc:Fallback>
+      <p:transition spd="slow" advTm="5000">
+        <p:fade/>
+      </p:transition>
+    </mc:Fallback>
+  </mc:AlternateContent>
   <p:timing>
     <p:tnLst>
       <p:par>
@@ -2957,7 +3069,7 @@
           <a:p>
             <a:fld id="{6600743F-1BE6-4884-AEEC-E22CD489FAAA}" type="datetime1">
               <a:rPr lang="en-US" smtClean="0"/>
-              <a:t>05-Dec-18</a:t>
+              <a:t>12/5/2018</a:t>
             </a:fld>
             <a:endParaRPr lang="en-US"/>
           </a:p>
@@ -3014,6 +3126,18 @@
   <p:clrMapOvr>
     <a:masterClrMapping/>
   </p:clrMapOvr>
+  <mc:AlternateContent xmlns:mc="http://schemas.openxmlformats.org/markup-compatibility/2006">
+    <mc:Choice xmlns:p14="http://schemas.microsoft.com/office/powerpoint/2010/main" Requires="p14">
+      <p:transition spd="slow" advTm="5000">
+        <p14:vortex dir="r"/>
+      </p:transition>
+    </mc:Choice>
+    <mc:Fallback>
+      <p:transition spd="slow" advTm="5000">
+        <p:fade/>
+      </p:transition>
+    </mc:Fallback>
+  </mc:AlternateContent>
   <p:timing>
     <p:tnLst>
       <p:par>
@@ -3245,7 +3369,7 @@
           <a:p>
             <a:fld id="{71EAE5E6-4246-4A66-AC7F-B13F933D3A5B}" type="datetime1">
               <a:rPr lang="en-US" smtClean="0"/>
-              <a:t>05-Dec-18</a:t>
+              <a:t>12/5/2018</a:t>
             </a:fld>
             <a:endParaRPr lang="en-US"/>
           </a:p>
@@ -3302,6 +3426,18 @@
   <p:clrMapOvr>
     <a:masterClrMapping/>
   </p:clrMapOvr>
+  <mc:AlternateContent xmlns:mc="http://schemas.openxmlformats.org/markup-compatibility/2006">
+    <mc:Choice xmlns:p14="http://schemas.microsoft.com/office/powerpoint/2010/main" Requires="p14">
+      <p:transition spd="slow" advTm="5000">
+        <p14:vortex dir="r"/>
+      </p:transition>
+    </mc:Choice>
+    <mc:Fallback>
+      <p:transition spd="slow" advTm="5000">
+        <p:fade/>
+      </p:transition>
+    </mc:Fallback>
+  </mc:AlternateContent>
   <p:timing>
     <p:tnLst>
       <p:par>
@@ -3771,7 +3907,7 @@
           <a:p>
             <a:fld id="{5A8CEF9F-6503-4524-B6D1-304BD7A6C1AC}" type="datetime1">
               <a:rPr lang="en-US" smtClean="0"/>
-              <a:t>05-Dec-18</a:t>
+              <a:t>12/5/2018</a:t>
             </a:fld>
             <a:endParaRPr lang="en-US"/>
           </a:p>
@@ -3862,6 +3998,18 @@
   <p:clrMapOvr>
     <a:masterClrMapping/>
   </p:clrMapOvr>
+  <mc:AlternateContent xmlns:mc="http://schemas.openxmlformats.org/markup-compatibility/2006">
+    <mc:Choice xmlns:p14="http://schemas.microsoft.com/office/powerpoint/2010/main" Requires="p14">
+      <p:transition spd="slow" advTm="5000">
+        <p14:vortex dir="r"/>
+      </p:transition>
+    </mc:Choice>
+    <mc:Fallback>
+      <p:transition spd="slow" advTm="5000">
+        <p:fade/>
+      </p:transition>
+    </mc:Fallback>
+  </mc:AlternateContent>
   <p:timing>
     <p:tnLst>
       <p:par>
@@ -4295,7 +4443,7 @@
           <a:p>
             <a:fld id="{7B958A8B-F6F4-4990-8BA6-64FAC34B16EF}" type="datetime1">
               <a:rPr lang="en-US" smtClean="0"/>
-              <a:t>05-Dec-18</a:t>
+              <a:t>12/5/2018</a:t>
             </a:fld>
             <a:endParaRPr lang="en-US"/>
           </a:p>
@@ -4401,6 +4549,18 @@
     <p:sldLayoutId id="2147483682" r:id="rId10"/>
     <p:sldLayoutId id="2147483683" r:id="rId11"/>
   </p:sldLayoutIdLst>
+  <mc:AlternateContent xmlns:mc="http://schemas.openxmlformats.org/markup-compatibility/2006">
+    <mc:Choice xmlns:p14="http://schemas.microsoft.com/office/powerpoint/2010/main" Requires="p14">
+      <p:transition spd="slow" advTm="5000">
+        <p14:vortex dir="r"/>
+      </p:transition>
+    </mc:Choice>
+    <mc:Fallback>
+      <p:transition spd="slow" advTm="5000">
+        <p:fade/>
+      </p:transition>
+    </mc:Fallback>
+  </mc:AlternateContent>
   <p:timing>
     <p:tnLst>
       <p:par>
@@ -5173,7 +5333,7 @@
           <a:p>
             <a:fld id="{0A78689F-E59F-4D1B-8B0A-506866C093F5}" type="datetime1">
               <a:rPr lang="en-US" smtClean="0"/>
-              <a:t>05-Dec-18</a:t>
+              <a:t>12/5/2018</a:t>
             </a:fld>
             <a:endParaRPr lang="en-US" dirty="0"/>
           </a:p>
@@ -5189,14 +5349,14 @@
   <p:clrMapOvr>
     <a:masterClrMapping/>
   </p:clrMapOvr>
-  <mc:AlternateContent xmlns:mc="http://schemas.openxmlformats.org/markup-compatibility/2006" xmlns:p14="http://schemas.microsoft.com/office/powerpoint/2010/main">
-    <mc:Choice Requires="p14">
-      <p:transition spd="slow" p14:dur="4000" advTm="17630">
+  <mc:AlternateContent xmlns:mc="http://schemas.openxmlformats.org/markup-compatibility/2006">
+    <mc:Choice xmlns:p14="http://schemas.microsoft.com/office/powerpoint/2010/main" Requires="p14">
+      <p:transition spd="slow" advTm="5000">
         <p14:vortex dir="r"/>
       </p:transition>
     </mc:Choice>
-    <mc:Fallback xmlns="">
-      <p:transition spd="slow" advTm="17630">
+    <mc:Fallback>
+      <p:transition spd="slow" advTm="5000">
         <p:fade/>
       </p:transition>
     </mc:Fallback>
@@ -6191,7 +6351,7 @@
           <a:p>
             <a:fld id="{C95698C2-3900-4BCB-A7A7-15B47CE5F460}" type="datetime1">
               <a:rPr lang="en-US" smtClean="0"/>
-              <a:t>05-Dec-18</a:t>
+              <a:t>12/5/2018</a:t>
             </a:fld>
             <a:endParaRPr lang="en-US" dirty="0"/>
           </a:p>
@@ -6207,6 +6367,18 @@
   <p:clrMapOvr>
     <a:masterClrMapping/>
   </p:clrMapOvr>
+  <mc:AlternateContent xmlns:mc="http://schemas.openxmlformats.org/markup-compatibility/2006">
+    <mc:Choice xmlns:p14="http://schemas.microsoft.com/office/powerpoint/2010/main" Requires="p14">
+      <p:transition spd="slow" advTm="5000">
+        <p14:vortex dir="r"/>
+      </p:transition>
+    </mc:Choice>
+    <mc:Fallback>
+      <p:transition spd="slow" advTm="5000">
+        <p:fade/>
+      </p:transition>
+    </mc:Fallback>
+  </mc:AlternateContent>
   <p:timing>
     <p:tnLst>
       <p:par>
@@ -6638,7 +6810,7 @@
           <a:p>
             <a:fld id="{C1E212E7-2955-4792-9FD3-5DCA5FEB81C8}" type="datetime1">
               <a:rPr lang="en-US" smtClean="0"/>
-              <a:t>05-Dec-18</a:t>
+              <a:t>12/5/2018</a:t>
             </a:fld>
             <a:endParaRPr lang="en-US"/>
           </a:p>
@@ -6654,14 +6826,14 @@
   <p:clrMapOvr>
     <a:masterClrMapping/>
   </p:clrMapOvr>
-  <mc:AlternateContent xmlns:mc="http://schemas.openxmlformats.org/markup-compatibility/2006" xmlns:p14="http://schemas.microsoft.com/office/powerpoint/2010/main">
-    <mc:Choice Requires="p14">
-      <p:transition spd="slow" p14:dur="4400">
-        <p14:honeycomb/>
+  <mc:AlternateContent xmlns:mc="http://schemas.openxmlformats.org/markup-compatibility/2006">
+    <mc:Choice xmlns:p14="http://schemas.microsoft.com/office/powerpoint/2010/main" Requires="p14">
+      <p:transition spd="slow" advTm="5000">
+        <p14:vortex dir="r"/>
       </p:transition>
     </mc:Choice>
-    <mc:Fallback xmlns="">
-      <p:transition spd="slow">
+    <mc:Fallback>
+      <p:transition spd="slow" advTm="5000">
         <p:fade/>
       </p:transition>
     </mc:Fallback>
@@ -6985,7 +7157,7 @@
           <a:p>
             <a:fld id="{84E5565D-402C-480F-AB57-0891CFD15943}" type="datetime1">
               <a:rPr lang="en-US" smtClean="0"/>
-              <a:t>05-Dec-18</a:t>
+              <a:t>12/5/2018</a:t>
             </a:fld>
             <a:endParaRPr lang="en-US"/>
           </a:p>
@@ -7001,14 +7173,14 @@
   <p:clrMapOvr>
     <a:masterClrMapping/>
   </p:clrMapOvr>
-  <mc:AlternateContent xmlns:mc="http://schemas.openxmlformats.org/markup-compatibility/2006" xmlns:p14="http://schemas.microsoft.com/office/powerpoint/2010/main">
-    <mc:Choice Requires="p14">
-      <p:transition spd="slow" p14:dur="1200">
-        <p14:flip dir="r"/>
+  <mc:AlternateContent xmlns:mc="http://schemas.openxmlformats.org/markup-compatibility/2006">
+    <mc:Choice xmlns:p14="http://schemas.microsoft.com/office/powerpoint/2010/main" Requires="p14">
+      <p:transition spd="slow" advTm="5000">
+        <p14:vortex dir="r"/>
       </p:transition>
     </mc:Choice>
-    <mc:Fallback xmlns="">
-      <p:transition spd="slow">
+    <mc:Fallback>
+      <p:transition spd="slow" advTm="5000">
         <p:fade/>
       </p:transition>
     </mc:Fallback>
@@ -7628,7 +7800,7 @@
           <a:p>
             <a:fld id="{43C55620-17C8-4976-91AE-C2686F69E22A}" type="datetime1">
               <a:rPr lang="en-US" smtClean="0"/>
-              <a:t>05-Dec-18</a:t>
+              <a:t>12/5/2018</a:t>
             </a:fld>
             <a:endParaRPr lang="en-US"/>
           </a:p>
@@ -7644,15 +7816,15 @@
   <p:clrMapOvr>
     <a:masterClrMapping/>
   </p:clrMapOvr>
-  <mc:AlternateContent xmlns:mc="http://schemas.openxmlformats.org/markup-compatibility/2006" xmlns:p14="http://schemas.microsoft.com/office/powerpoint/2010/main">
-    <mc:Choice Requires="p14">
-      <p:transition spd="slow" p14:dur="800">
-        <p:circle/>
+  <mc:AlternateContent xmlns:mc="http://schemas.openxmlformats.org/markup-compatibility/2006">
+    <mc:Choice xmlns:p14="http://schemas.microsoft.com/office/powerpoint/2010/main" Requires="p14">
+      <p:transition spd="slow" advTm="5000">
+        <p14:vortex dir="r"/>
       </p:transition>
     </mc:Choice>
-    <mc:Fallback xmlns="">
-      <p:transition spd="slow">
-        <p:circle/>
+    <mc:Fallback>
+      <p:transition spd="slow" advTm="5000">
+        <p:fade/>
       </p:transition>
     </mc:Fallback>
   </mc:AlternateContent>
@@ -8024,7 +8196,7 @@
           <a:p>
             <a:fld id="{C50EB0E8-6739-4EFC-A919-139A9765AFC3}" type="datetime1">
               <a:rPr lang="en-US" smtClean="0"/>
-              <a:t>05-Dec-18</a:t>
+              <a:t>12/5/2018</a:t>
             </a:fld>
             <a:endParaRPr lang="en-US"/>
           </a:p>
@@ -8040,15 +8212,15 @@
   <p:clrMapOvr>
     <a:masterClrMapping/>
   </p:clrMapOvr>
-  <mc:AlternateContent xmlns:mc="http://schemas.openxmlformats.org/markup-compatibility/2006" xmlns:p14="http://schemas.microsoft.com/office/powerpoint/2010/main">
-    <mc:Choice Requires="p14">
-      <p:transition spd="slow" p14:dur="2500">
-        <p:checker/>
+  <mc:AlternateContent xmlns:mc="http://schemas.openxmlformats.org/markup-compatibility/2006">
+    <mc:Choice xmlns:p14="http://schemas.microsoft.com/office/powerpoint/2010/main" Requires="p14">
+      <p:transition spd="slow" advTm="5000">
+        <p14:vortex dir="r"/>
       </p:transition>
     </mc:Choice>
-    <mc:Fallback xmlns="">
-      <p:transition spd="slow">
-        <p:checker/>
+    <mc:Fallback>
+      <p:transition spd="slow" advTm="5000">
+        <p:fade/>
       </p:transition>
     </mc:Fallback>
   </mc:AlternateContent>
@@ -8404,7 +8576,7 @@
           <a:p>
             <a:fld id="{A7347198-5414-43C0-AD5E-149826CB18D9}" type="datetime1">
               <a:rPr lang="en-US" smtClean="0"/>
-              <a:t>05-Dec-18</a:t>
+              <a:t>12/5/2018</a:t>
             </a:fld>
             <a:endParaRPr lang="en-US"/>
           </a:p>
@@ -8420,14 +8592,14 @@
   <p:clrMapOvr>
     <a:masterClrMapping/>
   </p:clrMapOvr>
-  <mc:AlternateContent xmlns:mc="http://schemas.openxmlformats.org/markup-compatibility/2006" xmlns:p14="http://schemas.microsoft.com/office/powerpoint/2010/main">
-    <mc:Choice Requires="p14">
-      <p:transition spd="slow" p14:dur="3000">
-        <p14:shred/>
+  <mc:AlternateContent xmlns:mc="http://schemas.openxmlformats.org/markup-compatibility/2006">
+    <mc:Choice xmlns:p14="http://schemas.microsoft.com/office/powerpoint/2010/main" Requires="p14">
+      <p:transition spd="slow" advTm="5000">
+        <p14:vortex dir="r"/>
       </p:transition>
     </mc:Choice>
-    <mc:Fallback xmlns="">
-      <p:transition spd="slow">
+    <mc:Fallback>
+      <p:transition spd="slow" advTm="5000">
         <p:fade/>
       </p:transition>
     </mc:Fallback>
@@ -8747,7 +8919,7 @@
           <a:p>
             <a:fld id="{108D026D-43E3-4C58-A2B5-D4D508133FF4}" type="datetime1">
               <a:rPr lang="en-US" smtClean="0"/>
-              <a:t>05-Dec-18</a:t>
+              <a:t>12/5/2018</a:t>
             </a:fld>
             <a:endParaRPr lang="en-US"/>
           </a:p>
@@ -8763,15 +8935,15 @@
   <p:clrMapOvr>
     <a:masterClrMapping/>
   </p:clrMapOvr>
-  <mc:AlternateContent xmlns:mc="http://schemas.openxmlformats.org/markup-compatibility/2006" xmlns:p14="http://schemas.microsoft.com/office/powerpoint/2010/main">
-    <mc:Choice Requires="p14">
-      <p:transition spd="slow" p14:dur="2500">
-        <p:checker dir="vert"/>
+  <mc:AlternateContent xmlns:mc="http://schemas.openxmlformats.org/markup-compatibility/2006">
+    <mc:Choice xmlns:p14="http://schemas.microsoft.com/office/powerpoint/2010/main" Requires="p14">
+      <p:transition spd="slow" advTm="5000">
+        <p14:vortex dir="r"/>
       </p:transition>
     </mc:Choice>
-    <mc:Fallback xmlns="">
-      <p:transition spd="slow">
-        <p:checker dir="vert"/>
+    <mc:Fallback>
+      <p:transition spd="slow" advTm="5000">
+        <p:fade/>
       </p:transition>
     </mc:Fallback>
   </mc:AlternateContent>
@@ -9163,7 +9335,7 @@
           <a:p>
             <a:fld id="{AC7909B3-36A1-41B4-925A-6FA60C559300}" type="datetime1">
               <a:rPr lang="en-US" smtClean="0"/>
-              <a:t>05-Dec-18</a:t>
+              <a:t>12/5/2018</a:t>
             </a:fld>
             <a:endParaRPr lang="en-US"/>
           </a:p>
@@ -9179,14 +9351,14 @@
   <p:clrMapOvr>
     <a:masterClrMapping/>
   </p:clrMapOvr>
-  <mc:AlternateContent xmlns:mc="http://schemas.openxmlformats.org/markup-compatibility/2006" xmlns:p14="http://schemas.microsoft.com/office/powerpoint/2010/main">
-    <mc:Choice Requires="p14">
-      <p:transition spd="slow" p14:dur="1500">
-        <p14:ripple dir="rd"/>
+  <mc:AlternateContent xmlns:mc="http://schemas.openxmlformats.org/markup-compatibility/2006">
+    <mc:Choice xmlns:p14="http://schemas.microsoft.com/office/powerpoint/2010/main" Requires="p14">
+      <p:transition spd="slow" advTm="5000">
+        <p14:vortex dir="r"/>
       </p:transition>
     </mc:Choice>
-    <mc:Fallback xmlns="">
-      <p:transition spd="slow">
+    <mc:Fallback>
+      <p:transition spd="slow" advTm="5000">
         <p:fade/>
       </p:transition>
     </mc:Fallback>
@@ -9497,7 +9669,7 @@
           <a:p>
             <a:fld id="{A9CAB2A4-6458-4AD1-9F36-491F5A15DA74}" type="datetime1">
               <a:rPr lang="en-US" smtClean="0"/>
-              <a:t>05-Dec-18</a:t>
+              <a:t>12/5/2018</a:t>
             </a:fld>
             <a:endParaRPr lang="en-US"/>
           </a:p>
@@ -9513,14 +9685,14 @@
   <p:clrMapOvr>
     <a:masterClrMapping/>
   </p:clrMapOvr>
-  <mc:AlternateContent xmlns:mc="http://schemas.openxmlformats.org/markup-compatibility/2006" xmlns:p14="http://schemas.microsoft.com/office/powerpoint/2010/main">
-    <mc:Choice Requires="p14">
-      <p:transition spd="slow" p14:dur="2000">
-        <p14:prism isContent="1"/>
+  <mc:AlternateContent xmlns:mc="http://schemas.openxmlformats.org/markup-compatibility/2006">
+    <mc:Choice xmlns:p14="http://schemas.microsoft.com/office/powerpoint/2010/main" Requires="p14">
+      <p:transition spd="slow" advTm="5000">
+        <p14:vortex dir="r"/>
       </p:transition>
     </mc:Choice>
-    <mc:Fallback xmlns="">
-      <p:transition spd="slow">
+    <mc:Fallback>
+      <p:transition spd="slow" advTm="5000">
         <p:fade/>
       </p:transition>
     </mc:Fallback>
